--- a/Materiale/Presentazioni/PPOINT/Presentazione1.pptx
+++ b/Materiale/Presentazioni/PPOINT/Presentazione1.pptx
@@ -355,7 +355,7 @@
           <a:p>
             <a:fld id="{ED291B17-9318-49DB-B28B-6E5994AE9581}" type="datetime1">
               <a:rPr lang="en-US" smtClean="0"/>
-              <a:t>5/29/2021</a:t>
+              <a:t>6/3/2021</a:t>
             </a:fld>
             <a:endParaRPr lang="en-US" dirty="0"/>
           </a:p>
@@ -558,7 +558,7 @@
           <a:p>
             <a:fld id="{2CED4963-E985-44C4-B8C4-FDD613B7C2F8}" type="datetime1">
               <a:rPr lang="en-US" smtClean="0"/>
-              <a:t>5/29/2021</a:t>
+              <a:t>6/3/2021</a:t>
             </a:fld>
             <a:endParaRPr lang="en-US" dirty="0"/>
           </a:p>
@@ -920,7 +920,7 @@
           <a:p>
             <a:fld id="{ED291B17-9318-49DB-B28B-6E5994AE9581}" type="datetime1">
               <a:rPr lang="en-US" smtClean="0"/>
-              <a:t>5/29/2021</a:t>
+              <a:t>6/3/2021</a:t>
             </a:fld>
             <a:endParaRPr lang="en-US" dirty="0"/>
           </a:p>
@@ -1118,7 +1118,7 @@
           <a:p>
             <a:fld id="{78DD82B9-B8EE-4375-B6FF-88FA6ABB15D9}" type="datetime1">
               <a:rPr lang="en-US" smtClean="0"/>
-              <a:t>5/29/2021</a:t>
+              <a:t>6/3/2021</a:t>
             </a:fld>
             <a:endParaRPr lang="en-US" dirty="0"/>
           </a:p>
@@ -1430,7 +1430,7 @@
           <a:p>
             <a:fld id="{B2497495-0637-405E-AE64-5CC7506D51F5}" type="datetime1">
               <a:rPr lang="en-US" smtClean="0"/>
-              <a:t>5/29/2021</a:t>
+              <a:t>6/3/2021</a:t>
             </a:fld>
             <a:endParaRPr lang="en-US" dirty="0"/>
           </a:p>
@@ -1683,7 +1683,7 @@
           <a:p>
             <a:fld id="{7BFFD690-9426-415D-8B65-26881E07B2D4}" type="datetime1">
               <a:rPr lang="en-US" smtClean="0"/>
-              <a:t>5/29/2021</a:t>
+              <a:t>6/3/2021</a:t>
             </a:fld>
             <a:endParaRPr lang="en-US" dirty="0"/>
           </a:p>
@@ -2105,7 +2105,7 @@
           <a:p>
             <a:fld id="{04C4989A-474C-40DE-95B9-011C28B71673}" type="datetime1">
               <a:rPr lang="en-US" smtClean="0"/>
-              <a:t>5/29/2021</a:t>
+              <a:t>6/3/2021</a:t>
             </a:fld>
             <a:endParaRPr lang="en-US" dirty="0"/>
           </a:p>
@@ -2228,7 +2228,7 @@
           <a:p>
             <a:fld id="{5DB4ED54-5B5E-4A04-93D3-5772E3CE3818}" type="datetime1">
               <a:rPr lang="en-US" smtClean="0"/>
-              <a:t>5/29/2021</a:t>
+              <a:t>6/3/2021</a:t>
             </a:fld>
             <a:endParaRPr lang="en-US" dirty="0"/>
           </a:p>
@@ -2323,7 +2323,7 @@
           <a:p>
             <a:fld id="{4EDE50D6-574B-40AF-946F-D52A04ADE379}" type="datetime1">
               <a:rPr lang="en-US" smtClean="0"/>
-              <a:t>5/29/2021</a:t>
+              <a:t>6/3/2021</a:t>
             </a:fld>
             <a:endParaRPr lang="en-US" dirty="0"/>
           </a:p>
@@ -2700,7 +2700,7 @@
           <a:p>
             <a:fld id="{D82884F1-FFEA-405F-9602-3DCA865EDA4E}" type="datetime1">
               <a:rPr lang="en-US" smtClean="0"/>
-              <a:t>5/29/2021</a:t>
+              <a:t>6/3/2021</a:t>
             </a:fld>
             <a:endParaRPr lang="en-US" dirty="0"/>
           </a:p>
@@ -2993,7 +2993,7 @@
           <a:p>
             <a:fld id="{7E18DB4A-8810-4A10-AD5C-D5E2C667F5B3}" type="datetime1">
               <a:rPr lang="en-US" smtClean="0"/>
-              <a:t>5/29/2021</a:t>
+              <a:t>6/3/2021</a:t>
             </a:fld>
             <a:endParaRPr lang="en-US" dirty="0"/>
           </a:p>
@@ -3208,7 +3208,7 @@
           <a:p>
             <a:fld id="{ED291B17-9318-49DB-B28B-6E5994AE9581}" type="datetime1">
               <a:rPr lang="en-US" smtClean="0"/>
-              <a:t>5/29/2021</a:t>
+              <a:t>6/3/2021</a:t>
             </a:fld>
             <a:endParaRPr lang="en-US" dirty="0"/>
           </a:p>

--- a/Materiale/Presentazioni/PPOINT/Presentazione1.pptx
+++ b/Materiale/Presentazioni/PPOINT/Presentazione1.pptx
@@ -9,8 +9,10 @@
     <p:sldId id="262" r:id="rId3"/>
     <p:sldId id="259" r:id="rId4"/>
     <p:sldId id="260" r:id="rId5"/>
-    <p:sldId id="263" r:id="rId6"/>
-    <p:sldId id="264" r:id="rId7"/>
+    <p:sldId id="267" r:id="rId6"/>
+    <p:sldId id="265" r:id="rId7"/>
+    <p:sldId id="263" r:id="rId8"/>
+    <p:sldId id="266" r:id="rId9"/>
   </p:sldIdLst>
   <p:sldSz cx="12192000" cy="6858000"/>
   <p:notesSz cx="6858000" cy="9144000"/>
@@ -355,7 +357,7 @@
           <a:p>
             <a:fld id="{ED291B17-9318-49DB-B28B-6E5994AE9581}" type="datetime1">
               <a:rPr lang="en-US" smtClean="0"/>
-              <a:t>6/3/2021</a:t>
+              <a:t>6/5/2021</a:t>
             </a:fld>
             <a:endParaRPr lang="en-US" dirty="0"/>
           </a:p>
@@ -558,7 +560,7 @@
           <a:p>
             <a:fld id="{2CED4963-E985-44C4-B8C4-FDD613B7C2F8}" type="datetime1">
               <a:rPr lang="en-US" smtClean="0"/>
-              <a:t>6/3/2021</a:t>
+              <a:t>6/5/2021</a:t>
             </a:fld>
             <a:endParaRPr lang="en-US" dirty="0"/>
           </a:p>
@@ -920,7 +922,7 @@
           <a:p>
             <a:fld id="{ED291B17-9318-49DB-B28B-6E5994AE9581}" type="datetime1">
               <a:rPr lang="en-US" smtClean="0"/>
-              <a:t>6/3/2021</a:t>
+              <a:t>6/5/2021</a:t>
             </a:fld>
             <a:endParaRPr lang="en-US" dirty="0"/>
           </a:p>
@@ -1118,7 +1120,7 @@
           <a:p>
             <a:fld id="{78DD82B9-B8EE-4375-B6FF-88FA6ABB15D9}" type="datetime1">
               <a:rPr lang="en-US" smtClean="0"/>
-              <a:t>6/3/2021</a:t>
+              <a:t>6/5/2021</a:t>
             </a:fld>
             <a:endParaRPr lang="en-US" dirty="0"/>
           </a:p>
@@ -1430,7 +1432,7 @@
           <a:p>
             <a:fld id="{B2497495-0637-405E-AE64-5CC7506D51F5}" type="datetime1">
               <a:rPr lang="en-US" smtClean="0"/>
-              <a:t>6/3/2021</a:t>
+              <a:t>6/5/2021</a:t>
             </a:fld>
             <a:endParaRPr lang="en-US" dirty="0"/>
           </a:p>
@@ -1683,7 +1685,7 @@
           <a:p>
             <a:fld id="{7BFFD690-9426-415D-8B65-26881E07B2D4}" type="datetime1">
               <a:rPr lang="en-US" smtClean="0"/>
-              <a:t>6/3/2021</a:t>
+              <a:t>6/5/2021</a:t>
             </a:fld>
             <a:endParaRPr lang="en-US" dirty="0"/>
           </a:p>
@@ -2105,7 +2107,7 @@
           <a:p>
             <a:fld id="{04C4989A-474C-40DE-95B9-011C28B71673}" type="datetime1">
               <a:rPr lang="en-US" smtClean="0"/>
-              <a:t>6/3/2021</a:t>
+              <a:t>6/5/2021</a:t>
             </a:fld>
             <a:endParaRPr lang="en-US" dirty="0"/>
           </a:p>
@@ -2228,7 +2230,7 @@
           <a:p>
             <a:fld id="{5DB4ED54-5B5E-4A04-93D3-5772E3CE3818}" type="datetime1">
               <a:rPr lang="en-US" smtClean="0"/>
-              <a:t>6/3/2021</a:t>
+              <a:t>6/5/2021</a:t>
             </a:fld>
             <a:endParaRPr lang="en-US" dirty="0"/>
           </a:p>
@@ -2323,7 +2325,7 @@
           <a:p>
             <a:fld id="{4EDE50D6-574B-40AF-946F-D52A04ADE379}" type="datetime1">
               <a:rPr lang="en-US" smtClean="0"/>
-              <a:t>6/3/2021</a:t>
+              <a:t>6/5/2021</a:t>
             </a:fld>
             <a:endParaRPr lang="en-US" dirty="0"/>
           </a:p>
@@ -2700,7 +2702,7 @@
           <a:p>
             <a:fld id="{D82884F1-FFEA-405F-9602-3DCA865EDA4E}" type="datetime1">
               <a:rPr lang="en-US" smtClean="0"/>
-              <a:t>6/3/2021</a:t>
+              <a:t>6/5/2021</a:t>
             </a:fld>
             <a:endParaRPr lang="en-US" dirty="0"/>
           </a:p>
@@ -2993,7 +2995,7 @@
           <a:p>
             <a:fld id="{7E18DB4A-8810-4A10-AD5C-D5E2C667F5B3}" type="datetime1">
               <a:rPr lang="en-US" smtClean="0"/>
-              <a:t>6/3/2021</a:t>
+              <a:t>6/5/2021</a:t>
             </a:fld>
             <a:endParaRPr lang="en-US" dirty="0"/>
           </a:p>
@@ -3208,7 +3210,7 @@
           <a:p>
             <a:fld id="{ED291B17-9318-49DB-B28B-6E5994AE9581}" type="datetime1">
               <a:rPr lang="en-US" smtClean="0"/>
-              <a:t>6/3/2021</a:t>
+              <a:t>6/5/2021</a:t>
             </a:fld>
             <a:endParaRPr lang="en-US" dirty="0"/>
           </a:p>
@@ -4339,6 +4341,10 @@
             </a:r>
           </a:p>
           <a:p>
+            <a:r>
+              <a:rPr lang="it-IT" sz="2000" dirty="0"/>
+              <a:t>Permette di creare e condividere playlist </a:t>
+            </a:r>
             <a:endParaRPr lang="it-IT" dirty="0"/>
           </a:p>
           <a:p>
@@ -4472,6 +4478,12 @@
             </a:r>
           </a:p>
           <a:p>
+            <a:r>
+              <a:rPr lang="it-IT" sz="2000" dirty="0"/>
+              <a:t>Agli utenti che vogliono condividere con amici e colleghi le proprie playlist</a:t>
+            </a:r>
+          </a:p>
+          <a:p>
             <a:endParaRPr lang="it-IT" sz="2000" dirty="0"/>
           </a:p>
         </p:txBody>
@@ -4531,7 +4543,7 @@
           <a:p>
             <a:r>
               <a:rPr lang="it-IT" sz="3200" dirty="0"/>
-              <a:t>architettura</a:t>
+              <a:t>Architettura di base</a:t>
             </a:r>
           </a:p>
         </p:txBody>
@@ -4660,7 +4672,7 @@
           <p:cNvPr id="2" name="Titolo 1">
             <a:extLst>
               <a:ext uri="{FF2B5EF4-FFF2-40B4-BE49-F238E27FC236}">
-                <a16:creationId xmlns:a16="http://schemas.microsoft.com/office/drawing/2014/main" id="{E03CFA7B-45E3-4829-BF29-9D25D8A0715C}"/>
+                <a16:creationId xmlns:a16="http://schemas.microsoft.com/office/drawing/2014/main" id="{479F8900-2F9A-4550-A4AB-6A345FDB4CEB}"/>
               </a:ext>
             </a:extLst>
           </p:cNvPr>
@@ -4673,12 +4685,14 @@
         </p:nvSpPr>
         <p:spPr/>
         <p:txBody>
-          <a:bodyPr/>
-          <a:lstStyle/>
-          <a:p>
-            <a:r>
-              <a:rPr lang="it-IT" dirty="0"/>
-              <a:t>criticità e possibili evoluzioni</a:t>
+          <a:bodyPr>
+            <a:normAutofit/>
+          </a:bodyPr>
+          <a:lstStyle/>
+          <a:p>
+            <a:r>
+              <a:rPr lang="it-IT" sz="3200" dirty="0"/>
+              <a:t>Servizi utili AGGIUNTIVI</a:t>
             </a:r>
           </a:p>
         </p:txBody>
@@ -4688,7 +4702,7 @@
           <p:cNvPr id="3" name="Segnaposto contenuto 2">
             <a:extLst>
               <a:ext uri="{FF2B5EF4-FFF2-40B4-BE49-F238E27FC236}">
-                <a16:creationId xmlns:a16="http://schemas.microsoft.com/office/drawing/2014/main" id="{933337B1-A744-4B7D-8A95-059CBBC98C67}"/>
+                <a16:creationId xmlns:a16="http://schemas.microsoft.com/office/drawing/2014/main" id="{573908A9-BFF7-4D9A-A4B2-F568B91B4EA8}"/>
               </a:ext>
             </a:extLst>
           </p:cNvPr>
@@ -4702,83 +4716,60 @@
         <p:spPr/>
         <p:txBody>
           <a:bodyPr>
-            <a:normAutofit/>
+            <a:noAutofit/>
           </a:bodyPr>
           <a:lstStyle/>
           <a:p>
-            <a:pPr>
-              <a:buClr>
-                <a:srgbClr val="FF0000"/>
-              </a:buClr>
-            </a:pPr>
             <a:r>
               <a:rPr lang="it-IT" sz="2000" dirty="0"/>
-              <a:t>Sviluppare il progetto richiede una grande quantità di tempo</a:t>
-            </a:r>
-          </a:p>
-          <a:p>
-            <a:pPr>
-              <a:buClr>
-                <a:srgbClr val="FF0000"/>
-              </a:buClr>
-            </a:pPr>
-            <a:r>
-              <a:rPr lang="it-IT" sz="2000" dirty="0"/>
-              <a:t>Dipendenza dalle API offerte da </a:t>
-            </a:r>
-            <a:r>
-              <a:rPr lang="it-IT" sz="2000" dirty="0" err="1"/>
-              <a:t>TEDx</a:t>
-            </a:r>
-            <a:r>
-              <a:rPr lang="it-IT" sz="2000" dirty="0"/>
-              <a:t> oppure dalla possibilità di effettuare uno </a:t>
-            </a:r>
-            <a:r>
-              <a:rPr lang="it-IT" sz="2000" dirty="0" err="1"/>
-              <a:t>scraping</a:t>
-            </a:r>
-            <a:endParaRPr lang="it-IT" sz="2000" dirty="0"/>
-          </a:p>
-          <a:p>
-            <a:pPr>
-              <a:buClr>
-                <a:srgbClr val="FF0000"/>
-              </a:buClr>
-            </a:pPr>
-            <a:r>
-              <a:rPr lang="it-IT" sz="2000" dirty="0"/>
-              <a:t>Il doppiaggio può risultare impreciso o fuori tempo essendo riprodotto in automatico da un sintetizzatore vocale</a:t>
-            </a:r>
-          </a:p>
-          <a:p>
-            <a:pPr>
-              <a:buClr>
-                <a:srgbClr val="00B050"/>
-              </a:buClr>
-            </a:pPr>
-            <a:r>
-              <a:rPr lang="it-IT" sz="2000" dirty="0"/>
-              <a:t>In futuro potrebbe essere utile rilevare la difficoltà degli argomenti trattati in un talk per permettere all’utente una piena comprensione del discorso ed una crescita graduale</a:t>
-            </a:r>
-          </a:p>
-          <a:p>
-            <a:pPr>
-              <a:buClr>
-                <a:srgbClr val="00B050"/>
-              </a:buClr>
-            </a:pPr>
-            <a:r>
-              <a:rPr lang="it-IT" sz="2000" dirty="0"/>
-              <a:t>Seguire altri utenti e i relatori</a:t>
-            </a:r>
+              <a:t>Servizi di AWS che possono tornare utili per l’implementazione sono:</a:t>
+            </a:r>
+          </a:p>
+          <a:p>
+            <a:pPr lvl="1"/>
+            <a:r>
+              <a:rPr lang="it-IT" sz="1700" b="1" dirty="0"/>
+              <a:t>Amazon </a:t>
+            </a:r>
+            <a:r>
+              <a:rPr lang="it-IT" sz="1700" b="1" dirty="0" err="1"/>
+              <a:t>Personalize</a:t>
+            </a:r>
+            <a:r>
+              <a:rPr lang="it-IT" sz="1700" dirty="0"/>
+              <a:t>: Servizio che permette di utilizzare il machine learning per dare consigli su misura all’utente, nel nostro caso viene usato per consigliare i talk</a:t>
+            </a:r>
+          </a:p>
+          <a:p>
+            <a:pPr lvl="1"/>
+            <a:r>
+              <a:rPr lang="it-IT" sz="1700" b="1" dirty="0"/>
+              <a:t>Amazon Polly</a:t>
+            </a:r>
+            <a:r>
+              <a:rPr lang="it-IT" sz="1700" dirty="0"/>
+              <a:t>:  Servizio che trasforma il testo, nel nostro caso le trascrizioni, in una file audio in alternativa all’utilizzo di una libreria </a:t>
+            </a:r>
+            <a:r>
+              <a:rPr lang="it-IT" sz="1700" dirty="0" err="1"/>
+              <a:t>python</a:t>
+            </a:r>
+            <a:r>
+              <a:rPr lang="it-IT" sz="1700" dirty="0"/>
+              <a:t> </a:t>
+            </a:r>
+            <a:r>
+              <a:rPr lang="it-IT" sz="1700" dirty="0" err="1"/>
+              <a:t>gTTS</a:t>
+            </a:r>
+            <a:endParaRPr lang="it-IT" sz="1700" dirty="0"/>
           </a:p>
         </p:txBody>
       </p:sp>
     </p:spTree>
     <p:extLst>
       <p:ext uri="{BB962C8B-B14F-4D97-AF65-F5344CB8AC3E}">
-        <p14:creationId xmlns:p14="http://schemas.microsoft.com/office/powerpoint/2010/main" val="552610171"/>
+        <p14:creationId xmlns:p14="http://schemas.microsoft.com/office/powerpoint/2010/main" val="4199912496"/>
       </p:ext>
     </p:extLst>
   </p:cSld>
@@ -4810,6 +4801,319 @@
           <p:cNvPr id="2" name="Titolo 1">
             <a:extLst>
               <a:ext uri="{FF2B5EF4-FFF2-40B4-BE49-F238E27FC236}">
+                <a16:creationId xmlns:a16="http://schemas.microsoft.com/office/drawing/2014/main" id="{CB27A6B9-5BF7-40DE-8630-0AC31A338814}"/>
+              </a:ext>
+            </a:extLst>
+          </p:cNvPr>
+          <p:cNvSpPr>
+            <a:spLocks noGrp="1"/>
+          </p:cNvSpPr>
+          <p:nvPr>
+            <p:ph type="title"/>
+          </p:nvPr>
+        </p:nvSpPr>
+        <p:spPr/>
+        <p:txBody>
+          <a:bodyPr>
+            <a:normAutofit/>
+          </a:bodyPr>
+          <a:lstStyle/>
+          <a:p>
+            <a:r>
+              <a:rPr lang="it-IT" sz="3200" dirty="0"/>
+              <a:t>Diagramma ER</a:t>
+            </a:r>
+          </a:p>
+        </p:txBody>
+      </p:sp>
+      <p:sp>
+        <p:nvSpPr>
+          <p:cNvPr id="3" name="Ovale 2">
+            <a:extLst>
+              <a:ext uri="{FF2B5EF4-FFF2-40B4-BE49-F238E27FC236}">
+                <a16:creationId xmlns:a16="http://schemas.microsoft.com/office/drawing/2014/main" id="{C2267A87-F7DA-4A8D-A0E3-196E590420CD}"/>
+              </a:ext>
+            </a:extLst>
+          </p:cNvPr>
+          <p:cNvSpPr/>
+          <p:nvPr/>
+        </p:nvSpPr>
+        <p:spPr>
+          <a:xfrm>
+            <a:off x="3254928" y="5050172"/>
+            <a:ext cx="1669410" cy="838900"/>
+          </a:xfrm>
+          <a:prstGeom prst="ellipse">
+            <a:avLst/>
+          </a:prstGeom>
+          <a:solidFill>
+            <a:schemeClr val="bg1"/>
+          </a:solidFill>
+          <a:ln>
+            <a:solidFill>
+              <a:schemeClr val="bg1"/>
+            </a:solidFill>
+          </a:ln>
+        </p:spPr>
+        <p:style>
+          <a:lnRef idx="2">
+            <a:schemeClr val="accent1">
+              <a:shade val="50000"/>
+            </a:schemeClr>
+          </a:lnRef>
+          <a:fillRef idx="1">
+            <a:schemeClr val="accent1"/>
+          </a:fillRef>
+          <a:effectRef idx="0">
+            <a:schemeClr val="accent1"/>
+          </a:effectRef>
+          <a:fontRef idx="minor">
+            <a:schemeClr val="lt1"/>
+          </a:fontRef>
+        </p:style>
+        <p:txBody>
+          <a:bodyPr rtlCol="0" anchor="ctr"/>
+          <a:lstStyle/>
+          <a:p>
+            <a:pPr algn="ctr"/>
+            <a:endParaRPr lang="it-IT"/>
+          </a:p>
+        </p:txBody>
+      </p:sp>
+      <p:pic>
+        <p:nvPicPr>
+          <p:cNvPr id="1026" name="Picture 2">
+            <a:extLst>
+              <a:ext uri="{FF2B5EF4-FFF2-40B4-BE49-F238E27FC236}">
+                <a16:creationId xmlns:a16="http://schemas.microsoft.com/office/drawing/2014/main" id="{7E45E5C3-BB2A-4101-90A4-F7ED5634BAFD}"/>
+              </a:ext>
+            </a:extLst>
+          </p:cNvPr>
+          <p:cNvPicPr>
+            <a:picLocks noGrp="1" noChangeAspect="1" noChangeArrowheads="1"/>
+          </p:cNvPicPr>
+          <p:nvPr>
+            <p:ph idx="1"/>
+          </p:nvPr>
+        </p:nvPicPr>
+        <p:blipFill>
+          <a:blip r:embed="rId2">
+            <a:extLst>
+              <a:ext uri="{28A0092B-C50C-407E-A947-70E740481C1C}">
+                <a14:useLocalDpi xmlns:a14="http://schemas.microsoft.com/office/drawing/2010/main" val="0"/>
+              </a:ext>
+            </a:extLst>
+          </a:blip>
+          <a:srcRect/>
+          <a:stretch>
+            <a:fillRect/>
+          </a:stretch>
+        </p:blipFill>
+        <p:spPr bwMode="auto">
+          <a:xfrm>
+            <a:off x="1786604" y="2108640"/>
+            <a:ext cx="8618792" cy="4483318"/>
+          </a:xfrm>
+          <a:prstGeom prst="rect">
+            <a:avLst/>
+          </a:prstGeom>
+          <a:noFill/>
+          <a:extLst>
+            <a:ext uri="{909E8E84-426E-40DD-AFC4-6F175D3DCCD1}">
+              <a14:hiddenFill xmlns:a14="http://schemas.microsoft.com/office/drawing/2010/main">
+                <a:solidFill>
+                  <a:srgbClr val="FFFFFF"/>
+                </a:solidFill>
+              </a14:hiddenFill>
+            </a:ext>
+          </a:extLst>
+        </p:spPr>
+      </p:pic>
+    </p:spTree>
+    <p:extLst>
+      <p:ext uri="{BB962C8B-B14F-4D97-AF65-F5344CB8AC3E}">
+        <p14:creationId xmlns:p14="http://schemas.microsoft.com/office/powerpoint/2010/main" val="528857128"/>
+      </p:ext>
+    </p:extLst>
+  </p:cSld>
+  <p:clrMapOvr>
+    <a:masterClrMapping/>
+  </p:clrMapOvr>
+</p:sld>
+</file>
+
+<file path=ppt/slides/slide7.xml><?xml version="1.0" encoding="utf-8"?>
+<p:sld xmlns:a="http://schemas.openxmlformats.org/drawingml/2006/main" xmlns:r="http://schemas.openxmlformats.org/officeDocument/2006/relationships" xmlns:p="http://schemas.openxmlformats.org/presentationml/2006/main">
+  <p:cSld>
+    <p:spTree>
+      <p:nvGrpSpPr>
+        <p:cNvPr id="1" name=""/>
+        <p:cNvGrpSpPr/>
+        <p:nvPr/>
+      </p:nvGrpSpPr>
+      <p:grpSpPr>
+        <a:xfrm>
+          <a:off x="0" y="0"/>
+          <a:ext cx="0" cy="0"/>
+          <a:chOff x="0" y="0"/>
+          <a:chExt cx="0" cy="0"/>
+        </a:xfrm>
+      </p:grpSpPr>
+      <p:sp>
+        <p:nvSpPr>
+          <p:cNvPr id="2" name="Titolo 1">
+            <a:extLst>
+              <a:ext uri="{FF2B5EF4-FFF2-40B4-BE49-F238E27FC236}">
+                <a16:creationId xmlns:a16="http://schemas.microsoft.com/office/drawing/2014/main" id="{E03CFA7B-45E3-4829-BF29-9D25D8A0715C}"/>
+              </a:ext>
+            </a:extLst>
+          </p:cNvPr>
+          <p:cNvSpPr>
+            <a:spLocks noGrp="1"/>
+          </p:cNvSpPr>
+          <p:nvPr>
+            <p:ph type="title"/>
+          </p:nvPr>
+        </p:nvSpPr>
+        <p:spPr/>
+        <p:txBody>
+          <a:bodyPr/>
+          <a:lstStyle/>
+          <a:p>
+            <a:r>
+              <a:rPr lang="it-IT" dirty="0"/>
+              <a:t>criticità e possibili evoluzioni</a:t>
+            </a:r>
+          </a:p>
+        </p:txBody>
+      </p:sp>
+      <p:sp>
+        <p:nvSpPr>
+          <p:cNvPr id="3" name="Segnaposto contenuto 2">
+            <a:extLst>
+              <a:ext uri="{FF2B5EF4-FFF2-40B4-BE49-F238E27FC236}">
+                <a16:creationId xmlns:a16="http://schemas.microsoft.com/office/drawing/2014/main" id="{933337B1-A744-4B7D-8A95-059CBBC98C67}"/>
+              </a:ext>
+            </a:extLst>
+          </p:cNvPr>
+          <p:cNvSpPr>
+            <a:spLocks noGrp="1"/>
+          </p:cNvSpPr>
+          <p:nvPr>
+            <p:ph idx="1"/>
+          </p:nvPr>
+        </p:nvSpPr>
+        <p:spPr/>
+        <p:txBody>
+          <a:bodyPr>
+            <a:normAutofit/>
+          </a:bodyPr>
+          <a:lstStyle/>
+          <a:p>
+            <a:pPr>
+              <a:buClr>
+                <a:srgbClr val="FF0000"/>
+              </a:buClr>
+            </a:pPr>
+            <a:r>
+              <a:rPr lang="it-IT" sz="2000" dirty="0"/>
+              <a:t>Sviluppare il progetto richiede una grande quantità di tempo</a:t>
+            </a:r>
+          </a:p>
+          <a:p>
+            <a:pPr>
+              <a:buClr>
+                <a:srgbClr val="FF0000"/>
+              </a:buClr>
+            </a:pPr>
+            <a:r>
+              <a:rPr lang="it-IT" sz="2000" dirty="0"/>
+              <a:t>Dipendenza dalle API offerte da </a:t>
+            </a:r>
+            <a:r>
+              <a:rPr lang="it-IT" sz="2000" dirty="0" err="1"/>
+              <a:t>TEDx</a:t>
+            </a:r>
+            <a:r>
+              <a:rPr lang="it-IT" sz="2000" dirty="0"/>
+              <a:t> oppure dalla possibilità di effettuare uno </a:t>
+            </a:r>
+            <a:r>
+              <a:rPr lang="it-IT" sz="2000" dirty="0" err="1"/>
+              <a:t>scraping</a:t>
+            </a:r>
+            <a:endParaRPr lang="it-IT" sz="2000" dirty="0"/>
+          </a:p>
+          <a:p>
+            <a:pPr>
+              <a:buClr>
+                <a:srgbClr val="FF0000"/>
+              </a:buClr>
+            </a:pPr>
+            <a:r>
+              <a:rPr lang="it-IT" sz="2000" dirty="0"/>
+              <a:t>Il doppiaggio può risultare impreciso o fuori tempo essendo riprodotto in automatico da un sintetizzatore vocale</a:t>
+            </a:r>
+          </a:p>
+          <a:p>
+            <a:pPr>
+              <a:buClr>
+                <a:srgbClr val="00B050"/>
+              </a:buClr>
+            </a:pPr>
+            <a:r>
+              <a:rPr lang="it-IT" sz="2000" dirty="0"/>
+              <a:t>In futuro potrebbe essere utile rilevare la difficoltà degli argomenti trattati in un talk per permettere all’utente una piena comprensione del discorso ed una crescita graduale</a:t>
+            </a:r>
+          </a:p>
+          <a:p>
+            <a:pPr>
+              <a:buClr>
+                <a:srgbClr val="00B050"/>
+              </a:buClr>
+            </a:pPr>
+            <a:r>
+              <a:rPr lang="it-IT" sz="2000" dirty="0"/>
+              <a:t>Seguire altri utenti e i relatori</a:t>
+            </a:r>
+          </a:p>
+        </p:txBody>
+      </p:sp>
+    </p:spTree>
+    <p:extLst>
+      <p:ext uri="{BB962C8B-B14F-4D97-AF65-F5344CB8AC3E}">
+        <p14:creationId xmlns:p14="http://schemas.microsoft.com/office/powerpoint/2010/main" val="552610171"/>
+      </p:ext>
+    </p:extLst>
+  </p:cSld>
+  <p:clrMapOvr>
+    <a:masterClrMapping/>
+  </p:clrMapOvr>
+</p:sld>
+</file>
+
+<file path=ppt/slides/slide8.xml><?xml version="1.0" encoding="utf-8"?>
+<p:sld xmlns:a="http://schemas.openxmlformats.org/drawingml/2006/main" xmlns:r="http://schemas.openxmlformats.org/officeDocument/2006/relationships" xmlns:p="http://schemas.openxmlformats.org/presentationml/2006/main">
+  <p:cSld>
+    <p:spTree>
+      <p:nvGrpSpPr>
+        <p:cNvPr id="1" name=""/>
+        <p:cNvGrpSpPr/>
+        <p:nvPr/>
+      </p:nvGrpSpPr>
+      <p:grpSpPr>
+        <a:xfrm>
+          <a:off x="0" y="0"/>
+          <a:ext cx="0" cy="0"/>
+          <a:chOff x="0" y="0"/>
+          <a:chExt cx="0" cy="0"/>
+        </a:xfrm>
+      </p:grpSpPr>
+      <p:sp>
+        <p:nvSpPr>
+          <p:cNvPr id="2" name="Titolo 1">
+            <a:extLst>
+              <a:ext uri="{FF2B5EF4-FFF2-40B4-BE49-F238E27FC236}">
                 <a16:creationId xmlns:a16="http://schemas.microsoft.com/office/drawing/2014/main" id="{D53FA261-CF10-4CE2-8B95-D26F437B3384}"/>
               </a:ext>
             </a:extLst>
@@ -4882,10 +5186,104 @@
           </a:p>
         </p:txBody>
       </p:sp>
+      <p:pic>
+        <p:nvPicPr>
+          <p:cNvPr id="2054" name="Picture 6" descr="GitHub - Informatica e telecomunicazioni IISS Fermi Aragona">
+            <a:extLst>
+              <a:ext uri="{FF2B5EF4-FFF2-40B4-BE49-F238E27FC236}">
+                <a16:creationId xmlns:a16="http://schemas.microsoft.com/office/drawing/2014/main" id="{81C16E0E-2757-4505-B1EA-9E6558525362}"/>
+              </a:ext>
+            </a:extLst>
+          </p:cNvPr>
+          <p:cNvPicPr>
+            <a:picLocks noChangeAspect="1" noChangeArrowheads="1"/>
+          </p:cNvPicPr>
+          <p:nvPr/>
+        </p:nvPicPr>
+        <p:blipFill>
+          <a:blip r:embed="rId4">
+            <a:extLst>
+              <a:ext uri="{28A0092B-C50C-407E-A947-70E740481C1C}">
+                <a14:useLocalDpi xmlns:a14="http://schemas.microsoft.com/office/drawing/2010/main" val="0"/>
+              </a:ext>
+            </a:extLst>
+          </a:blip>
+          <a:srcRect/>
+          <a:stretch>
+            <a:fillRect/>
+          </a:stretch>
+        </p:blipFill>
+        <p:spPr bwMode="auto">
+          <a:xfrm>
+            <a:off x="10111194" y="5019289"/>
+            <a:ext cx="2080806" cy="1148929"/>
+          </a:xfrm>
+          <a:prstGeom prst="rect">
+            <a:avLst/>
+          </a:prstGeom>
+          <a:noFill/>
+          <a:extLst>
+            <a:ext uri="{909E8E84-426E-40DD-AFC4-6F175D3DCCD1}">
+              <a14:hiddenFill xmlns:a14="http://schemas.microsoft.com/office/drawing/2010/main">
+                <a:solidFill>
+                  <a:srgbClr val="FFFFFF"/>
+                </a:solidFill>
+              </a14:hiddenFill>
+            </a:ext>
+          </a:extLst>
+        </p:spPr>
+      </p:pic>
+      <p:pic>
+        <p:nvPicPr>
+          <p:cNvPr id="2056" name="Picture 8">
+            <a:extLst>
+              <a:ext uri="{FF2B5EF4-FFF2-40B4-BE49-F238E27FC236}">
+                <a16:creationId xmlns:a16="http://schemas.microsoft.com/office/drawing/2014/main" id="{F572718D-5044-4073-AA22-F1B90CA8157B}"/>
+              </a:ext>
+            </a:extLst>
+          </p:cNvPr>
+          <p:cNvPicPr>
+            <a:picLocks noChangeAspect="1" noChangeArrowheads="1"/>
+          </p:cNvPicPr>
+          <p:nvPr/>
+        </p:nvPicPr>
+        <p:blipFill>
+          <a:blip r:embed="rId5">
+            <a:extLst>
+              <a:ext uri="{28A0092B-C50C-407E-A947-70E740481C1C}">
+                <a14:useLocalDpi xmlns:a14="http://schemas.microsoft.com/office/drawing/2010/main" val="0"/>
+              </a:ext>
+            </a:extLst>
+          </a:blip>
+          <a:srcRect/>
+          <a:stretch>
+            <a:fillRect/>
+          </a:stretch>
+        </p:blipFill>
+        <p:spPr bwMode="auto">
+          <a:xfrm>
+            <a:off x="7815766" y="5357934"/>
+            <a:ext cx="2295428" cy="471638"/>
+          </a:xfrm>
+          <a:prstGeom prst="rect">
+            <a:avLst/>
+          </a:prstGeom>
+          <a:noFill/>
+          <a:extLst>
+            <a:ext uri="{909E8E84-426E-40DD-AFC4-6F175D3DCCD1}">
+              <a14:hiddenFill xmlns:a14="http://schemas.microsoft.com/office/drawing/2010/main">
+                <a:solidFill>
+                  <a:srgbClr val="FFFFFF"/>
+                </a:solidFill>
+              </a14:hiddenFill>
+            </a:ext>
+          </a:extLst>
+        </p:spPr>
+      </p:pic>
     </p:spTree>
     <p:extLst>
       <p:ext uri="{BB962C8B-B14F-4D97-AF65-F5344CB8AC3E}">
-        <p14:creationId xmlns:p14="http://schemas.microsoft.com/office/powerpoint/2010/main" val="3909137188"/>
+        <p14:creationId xmlns:p14="http://schemas.microsoft.com/office/powerpoint/2010/main" val="1652986410"/>
       </p:ext>
     </p:extLst>
   </p:cSld>
